--- a/webdiary만들기/웹프로그래밍과제.pptx
+++ b/webdiary만들기/웹프로그래밍과제.pptx
@@ -8,6 +8,7 @@
     <p:sldId id="256" r:id="rId2"/>
     <p:sldId id="257" r:id="rId3"/>
     <p:sldId id="258" r:id="rId4"/>
+    <p:sldId id="259" r:id="rId5"/>
   </p:sldIdLst>
   <p:sldSz cx="12192000" cy="6858000"/>
   <p:notesSz cx="6858000" cy="9144000"/>
@@ -245,7 +246,7 @@
           <a:p>
             <a:fld id="{D4D90BA9-01BB-B04E-AD3D-2A8EDDEF1E24}" type="datetimeFigureOut">
               <a:rPr kumimoji="1" lang="ko-KR" altLang="en-US" smtClean="0"/>
-              <a:t>2017. 5. 16.</a:t>
+              <a:t>2017. 5. 21.</a:t>
             </a:fld>
             <a:endParaRPr kumimoji="1" lang="ko-KR" altLang="en-US"/>
           </a:p>
@@ -415,7 +416,7 @@
           <a:p>
             <a:fld id="{D4D90BA9-01BB-B04E-AD3D-2A8EDDEF1E24}" type="datetimeFigureOut">
               <a:rPr kumimoji="1" lang="ko-KR" altLang="en-US" smtClean="0"/>
-              <a:t>2017. 5. 16.</a:t>
+              <a:t>2017. 5. 21.</a:t>
             </a:fld>
             <a:endParaRPr kumimoji="1" lang="ko-KR" altLang="en-US"/>
           </a:p>
@@ -595,7 +596,7 @@
           <a:p>
             <a:fld id="{D4D90BA9-01BB-B04E-AD3D-2A8EDDEF1E24}" type="datetimeFigureOut">
               <a:rPr kumimoji="1" lang="ko-KR" altLang="en-US" smtClean="0"/>
-              <a:t>2017. 5. 16.</a:t>
+              <a:t>2017. 5. 21.</a:t>
             </a:fld>
             <a:endParaRPr kumimoji="1" lang="ko-KR" altLang="en-US"/>
           </a:p>
@@ -765,7 +766,7 @@
           <a:p>
             <a:fld id="{D4D90BA9-01BB-B04E-AD3D-2A8EDDEF1E24}" type="datetimeFigureOut">
               <a:rPr kumimoji="1" lang="ko-KR" altLang="en-US" smtClean="0"/>
-              <a:t>2017. 5. 16.</a:t>
+              <a:t>2017. 5. 21.</a:t>
             </a:fld>
             <a:endParaRPr kumimoji="1" lang="ko-KR" altLang="en-US"/>
           </a:p>
@@ -1011,7 +1012,7 @@
           <a:p>
             <a:fld id="{D4D90BA9-01BB-B04E-AD3D-2A8EDDEF1E24}" type="datetimeFigureOut">
               <a:rPr kumimoji="1" lang="ko-KR" altLang="en-US" smtClean="0"/>
-              <a:t>2017. 5. 16.</a:t>
+              <a:t>2017. 5. 21.</a:t>
             </a:fld>
             <a:endParaRPr kumimoji="1" lang="ko-KR" altLang="en-US"/>
           </a:p>
@@ -1243,7 +1244,7 @@
           <a:p>
             <a:fld id="{D4D90BA9-01BB-B04E-AD3D-2A8EDDEF1E24}" type="datetimeFigureOut">
               <a:rPr kumimoji="1" lang="ko-KR" altLang="en-US" smtClean="0"/>
-              <a:t>2017. 5. 16.</a:t>
+              <a:t>2017. 5. 21.</a:t>
             </a:fld>
             <a:endParaRPr kumimoji="1" lang="ko-KR" altLang="en-US"/>
           </a:p>
@@ -1610,7 +1611,7 @@
           <a:p>
             <a:fld id="{D4D90BA9-01BB-B04E-AD3D-2A8EDDEF1E24}" type="datetimeFigureOut">
               <a:rPr kumimoji="1" lang="ko-KR" altLang="en-US" smtClean="0"/>
-              <a:t>2017. 5. 16.</a:t>
+              <a:t>2017. 5. 21.</a:t>
             </a:fld>
             <a:endParaRPr kumimoji="1" lang="ko-KR" altLang="en-US"/>
           </a:p>
@@ -1728,7 +1729,7 @@
           <a:p>
             <a:fld id="{D4D90BA9-01BB-B04E-AD3D-2A8EDDEF1E24}" type="datetimeFigureOut">
               <a:rPr kumimoji="1" lang="ko-KR" altLang="en-US" smtClean="0"/>
-              <a:t>2017. 5. 16.</a:t>
+              <a:t>2017. 5. 21.</a:t>
             </a:fld>
             <a:endParaRPr kumimoji="1" lang="ko-KR" altLang="en-US"/>
           </a:p>
@@ -1823,7 +1824,7 @@
           <a:p>
             <a:fld id="{D4D90BA9-01BB-B04E-AD3D-2A8EDDEF1E24}" type="datetimeFigureOut">
               <a:rPr kumimoji="1" lang="ko-KR" altLang="en-US" smtClean="0"/>
-              <a:t>2017. 5. 16.</a:t>
+              <a:t>2017. 5. 21.</a:t>
             </a:fld>
             <a:endParaRPr kumimoji="1" lang="ko-KR" altLang="en-US"/>
           </a:p>
@@ -2100,7 +2101,7 @@
           <a:p>
             <a:fld id="{D4D90BA9-01BB-B04E-AD3D-2A8EDDEF1E24}" type="datetimeFigureOut">
               <a:rPr kumimoji="1" lang="ko-KR" altLang="en-US" smtClean="0"/>
-              <a:t>2017. 5. 16.</a:t>
+              <a:t>2017. 5. 21.</a:t>
             </a:fld>
             <a:endParaRPr kumimoji="1" lang="ko-KR" altLang="en-US"/>
           </a:p>
@@ -2353,7 +2354,7 @@
           <a:p>
             <a:fld id="{D4D90BA9-01BB-B04E-AD3D-2A8EDDEF1E24}" type="datetimeFigureOut">
               <a:rPr kumimoji="1" lang="ko-KR" altLang="en-US" smtClean="0"/>
-              <a:t>2017. 5. 16.</a:t>
+              <a:t>2017. 5. 21.</a:t>
             </a:fld>
             <a:endParaRPr kumimoji="1" lang="ko-KR" altLang="en-US"/>
           </a:p>
@@ -2566,7 +2567,7 @@
           <a:p>
             <a:fld id="{D4D90BA9-01BB-B04E-AD3D-2A8EDDEF1E24}" type="datetimeFigureOut">
               <a:rPr kumimoji="1" lang="ko-KR" altLang="en-US" smtClean="0"/>
-              <a:t>2017. 5. 16.</a:t>
+              <a:t>2017. 5. 21.</a:t>
             </a:fld>
             <a:endParaRPr kumimoji="1" lang="ko-KR" altLang="en-US"/>
           </a:p>
@@ -3411,11 +3412,7 @@
           <a:p>
             <a:r>
               <a:rPr kumimoji="1" lang="en-US" altLang="ko-KR" dirty="0" smtClean="0"/>
-              <a:t>1</a:t>
-            </a:r>
-            <a:r>
-              <a:rPr kumimoji="1" lang="en-US" altLang="ko-KR" dirty="0" smtClean="0"/>
-              <a:t>. Bootstrap</a:t>
+              <a:t>1. Bootstrap</a:t>
             </a:r>
             <a:r>
               <a:rPr kumimoji="1" lang="ko-KR" altLang="en-US" dirty="0" smtClean="0"/>
@@ -3483,11 +3480,7 @@
             </a:r>
             <a:r>
               <a:rPr kumimoji="1" lang="ko-KR" altLang="en-US" dirty="0" smtClean="0"/>
-              <a:t>이란 사이트에서 </a:t>
-            </a:r>
-            <a:r>
-              <a:rPr kumimoji="1" lang="ko-KR" altLang="en-US" dirty="0" smtClean="0"/>
-              <a:t>아이콘을 가져와서</a:t>
+              <a:t>이란 사이트에서 아이콘을 가져와서</a:t>
             </a:r>
             <a:r>
               <a:rPr kumimoji="1" lang="en-US" altLang="ko-KR" dirty="0" smtClean="0"/>
@@ -3510,7 +3503,6 @@
               <a:rPr kumimoji="1" lang="en-US" altLang="ko-KR" dirty="0" smtClean="0"/>
               <a:t>---</a:t>
             </a:r>
-            <a:endParaRPr kumimoji="1" lang="en-US" altLang="ko-KR" dirty="0" smtClean="0"/>
           </a:p>
           <a:p>
             <a:r>
@@ -3589,6 +3581,122 @@
     <p:extLst>
       <p:ext uri="{BB962C8B-B14F-4D97-AF65-F5344CB8AC3E}">
         <p14:creationId xmlns:p14="http://schemas.microsoft.com/office/powerpoint/2010/main" val="845775817"/>
+      </p:ext>
+    </p:extLst>
+  </p:cSld>
+  <p:clrMapOvr>
+    <a:masterClrMapping/>
+  </p:clrMapOvr>
+</p:sld>
+</file>
+
+<file path=ppt/slides/slide4.xml><?xml version="1.0" encoding="utf-8"?>
+<p:sld xmlns:a="http://schemas.openxmlformats.org/drawingml/2006/main" xmlns:r="http://schemas.openxmlformats.org/officeDocument/2006/relationships" xmlns:p="http://schemas.openxmlformats.org/presentationml/2006/main">
+  <p:cSld>
+    <p:spTree>
+      <p:nvGrpSpPr>
+        <p:cNvPr id="1" name=""/>
+        <p:cNvGrpSpPr/>
+        <p:nvPr/>
+      </p:nvGrpSpPr>
+      <p:grpSpPr>
+        <a:xfrm>
+          <a:off x="0" y="0"/>
+          <a:ext cx="0" cy="0"/>
+          <a:chOff x="0" y="0"/>
+          <a:chExt cx="0" cy="0"/>
+        </a:xfrm>
+      </p:grpSpPr>
+      <p:sp>
+        <p:nvSpPr>
+          <p:cNvPr id="2" name="제목 1"/>
+          <p:cNvSpPr>
+            <a:spLocks noGrp="1"/>
+          </p:cNvSpPr>
+          <p:nvPr>
+            <p:ph type="title"/>
+          </p:nvPr>
+        </p:nvSpPr>
+        <p:spPr/>
+        <p:txBody>
+          <a:bodyPr/>
+          <a:lstStyle/>
+          <a:p>
+            <a:r>
+              <a:rPr kumimoji="1" lang="en-US" altLang="ko-KR" dirty="0" err="1" smtClean="0"/>
+              <a:t>Ck</a:t>
+            </a:r>
+            <a:r>
+              <a:rPr kumimoji="1" lang="en-US" altLang="ko-KR" dirty="0" smtClean="0"/>
+              <a:t> Editor </a:t>
+            </a:r>
+            <a:r>
+              <a:rPr kumimoji="1" lang="ko-KR" altLang="en-US" dirty="0" smtClean="0"/>
+              <a:t>연결하기</a:t>
+            </a:r>
+            <a:r>
+              <a:rPr kumimoji="1" lang="en-US" altLang="ko-KR" dirty="0" smtClean="0"/>
+              <a:t>	</a:t>
+            </a:r>
+            <a:endParaRPr kumimoji="1" lang="ko-KR" altLang="en-US" dirty="0"/>
+          </a:p>
+        </p:txBody>
+      </p:sp>
+      <p:sp>
+        <p:nvSpPr>
+          <p:cNvPr id="3" name="내용 개체 틀 2"/>
+          <p:cNvSpPr>
+            <a:spLocks noGrp="1"/>
+          </p:cNvSpPr>
+          <p:nvPr>
+            <p:ph idx="1"/>
+          </p:nvPr>
+        </p:nvSpPr>
+        <p:spPr/>
+        <p:txBody>
+          <a:bodyPr/>
+          <a:lstStyle/>
+          <a:p>
+            <a:r>
+              <a:rPr kumimoji="1" lang="en-US" altLang="ko-KR" dirty="0" err="1" smtClean="0"/>
+              <a:t>Ck</a:t>
+            </a:r>
+            <a:r>
+              <a:rPr kumimoji="1" lang="en-US" altLang="ko-KR" dirty="0"/>
+              <a:t> </a:t>
+            </a:r>
+            <a:r>
+              <a:rPr kumimoji="1" lang="en-US" altLang="ko-KR" dirty="0" smtClean="0"/>
+              <a:t>editor</a:t>
+            </a:r>
+            <a:r>
+              <a:rPr kumimoji="1" lang="ko-KR" altLang="en-US" dirty="0" smtClean="0"/>
+              <a:t>를 </a:t>
+            </a:r>
+            <a:r>
+              <a:rPr kumimoji="1" lang="en-US" altLang="ko-KR" dirty="0" err="1" smtClean="0"/>
+              <a:t>Edit.html</a:t>
+            </a:r>
+            <a:r>
+              <a:rPr kumimoji="1" lang="ko-KR" altLang="en-US" dirty="0" smtClean="0"/>
+              <a:t>안에 만들어주었고</a:t>
+            </a:r>
+            <a:r>
+              <a:rPr kumimoji="1" lang="en-US" altLang="ko-KR" dirty="0" smtClean="0"/>
+              <a:t>,</a:t>
+            </a:r>
+            <a:r>
+              <a:rPr kumimoji="1" lang="ko-KR" altLang="en-US" dirty="0" smtClean="0"/>
+              <a:t> </a:t>
+            </a:r>
+            <a:endParaRPr kumimoji="1" lang="ko-KR" altLang="en-US" dirty="0"/>
+          </a:p>
+        </p:txBody>
+      </p:sp>
+    </p:spTree>
+    <p:extLst>
+      <p:ext uri="{BB962C8B-B14F-4D97-AF65-F5344CB8AC3E}">
+        <p14:creationId xmlns:p14="http://schemas.microsoft.com/office/powerpoint/2010/main" val="1199869734"/>
       </p:ext>
     </p:extLst>
   </p:cSld>

--- a/webdiary만들기/웹프로그래밍과제.pptx
+++ b/webdiary만들기/웹프로그래밍과제.pptx
@@ -5,7 +5,7 @@
     <p:sldMasterId id="2147483648" r:id="rId1"/>
   </p:sldMasterIdLst>
   <p:notesMasterIdLst>
-    <p:notesMasterId r:id="rId7"/>
+    <p:notesMasterId r:id="rId8"/>
   </p:notesMasterIdLst>
   <p:sldIdLst>
     <p:sldId id="256" r:id="rId2"/>
@@ -13,6 +13,7 @@
     <p:sldId id="258" r:id="rId4"/>
     <p:sldId id="259" r:id="rId5"/>
     <p:sldId id="260" r:id="rId6"/>
+    <p:sldId id="261" r:id="rId7"/>
   </p:sldIdLst>
   <p:sldSz cx="12192000" cy="6858000"/>
   <p:notesSz cx="6858000" cy="9144000"/>
@@ -201,7 +202,7 @@
           <a:p>
             <a:fld id="{BDC95102-C6F4-154C-889C-80C09DFC33CF}" type="datetimeFigureOut">
               <a:rPr kumimoji="1" lang="ko-KR" altLang="en-US" smtClean="0"/>
-              <a:t>2017. 5. 25.</a:t>
+              <a:t>2017. 5. 29.</a:t>
             </a:fld>
             <a:endParaRPr kumimoji="1" lang="ko-KR" altLang="en-US"/>
           </a:p>
@@ -600,7 +601,7 @@
           <a:p>
             <a:fld id="{D4D90BA9-01BB-B04E-AD3D-2A8EDDEF1E24}" type="datetimeFigureOut">
               <a:rPr kumimoji="1" lang="ko-KR" altLang="en-US" smtClean="0"/>
-              <a:t>2017. 5. 25.</a:t>
+              <a:t>2017. 5. 29.</a:t>
             </a:fld>
             <a:endParaRPr kumimoji="1" lang="ko-KR" altLang="en-US"/>
           </a:p>
@@ -770,7 +771,7 @@
           <a:p>
             <a:fld id="{D4D90BA9-01BB-B04E-AD3D-2A8EDDEF1E24}" type="datetimeFigureOut">
               <a:rPr kumimoji="1" lang="ko-KR" altLang="en-US" smtClean="0"/>
-              <a:t>2017. 5. 25.</a:t>
+              <a:t>2017. 5. 29.</a:t>
             </a:fld>
             <a:endParaRPr kumimoji="1" lang="ko-KR" altLang="en-US"/>
           </a:p>
@@ -950,7 +951,7 @@
           <a:p>
             <a:fld id="{D4D90BA9-01BB-B04E-AD3D-2A8EDDEF1E24}" type="datetimeFigureOut">
               <a:rPr kumimoji="1" lang="ko-KR" altLang="en-US" smtClean="0"/>
-              <a:t>2017. 5. 25.</a:t>
+              <a:t>2017. 5. 29.</a:t>
             </a:fld>
             <a:endParaRPr kumimoji="1" lang="ko-KR" altLang="en-US"/>
           </a:p>
@@ -1120,7 +1121,7 @@
           <a:p>
             <a:fld id="{D4D90BA9-01BB-B04E-AD3D-2A8EDDEF1E24}" type="datetimeFigureOut">
               <a:rPr kumimoji="1" lang="ko-KR" altLang="en-US" smtClean="0"/>
-              <a:t>2017. 5. 25.</a:t>
+              <a:t>2017. 5. 29.</a:t>
             </a:fld>
             <a:endParaRPr kumimoji="1" lang="ko-KR" altLang="en-US"/>
           </a:p>
@@ -1366,7 +1367,7 @@
           <a:p>
             <a:fld id="{D4D90BA9-01BB-B04E-AD3D-2A8EDDEF1E24}" type="datetimeFigureOut">
               <a:rPr kumimoji="1" lang="ko-KR" altLang="en-US" smtClean="0"/>
-              <a:t>2017. 5. 25.</a:t>
+              <a:t>2017. 5. 29.</a:t>
             </a:fld>
             <a:endParaRPr kumimoji="1" lang="ko-KR" altLang="en-US"/>
           </a:p>
@@ -1598,7 +1599,7 @@
           <a:p>
             <a:fld id="{D4D90BA9-01BB-B04E-AD3D-2A8EDDEF1E24}" type="datetimeFigureOut">
               <a:rPr kumimoji="1" lang="ko-KR" altLang="en-US" smtClean="0"/>
-              <a:t>2017. 5. 25.</a:t>
+              <a:t>2017. 5. 29.</a:t>
             </a:fld>
             <a:endParaRPr kumimoji="1" lang="ko-KR" altLang="en-US"/>
           </a:p>
@@ -1965,7 +1966,7 @@
           <a:p>
             <a:fld id="{D4D90BA9-01BB-B04E-AD3D-2A8EDDEF1E24}" type="datetimeFigureOut">
               <a:rPr kumimoji="1" lang="ko-KR" altLang="en-US" smtClean="0"/>
-              <a:t>2017. 5. 25.</a:t>
+              <a:t>2017. 5. 29.</a:t>
             </a:fld>
             <a:endParaRPr kumimoji="1" lang="ko-KR" altLang="en-US"/>
           </a:p>
@@ -2083,7 +2084,7 @@
           <a:p>
             <a:fld id="{D4D90BA9-01BB-B04E-AD3D-2A8EDDEF1E24}" type="datetimeFigureOut">
               <a:rPr kumimoji="1" lang="ko-KR" altLang="en-US" smtClean="0"/>
-              <a:t>2017. 5. 25.</a:t>
+              <a:t>2017. 5. 29.</a:t>
             </a:fld>
             <a:endParaRPr kumimoji="1" lang="ko-KR" altLang="en-US"/>
           </a:p>
@@ -2178,7 +2179,7 @@
           <a:p>
             <a:fld id="{D4D90BA9-01BB-B04E-AD3D-2A8EDDEF1E24}" type="datetimeFigureOut">
               <a:rPr kumimoji="1" lang="ko-KR" altLang="en-US" smtClean="0"/>
-              <a:t>2017. 5. 25.</a:t>
+              <a:t>2017. 5. 29.</a:t>
             </a:fld>
             <a:endParaRPr kumimoji="1" lang="ko-KR" altLang="en-US"/>
           </a:p>
@@ -2455,7 +2456,7 @@
           <a:p>
             <a:fld id="{D4D90BA9-01BB-B04E-AD3D-2A8EDDEF1E24}" type="datetimeFigureOut">
               <a:rPr kumimoji="1" lang="ko-KR" altLang="en-US" smtClean="0"/>
-              <a:t>2017. 5. 25.</a:t>
+              <a:t>2017. 5. 29.</a:t>
             </a:fld>
             <a:endParaRPr kumimoji="1" lang="ko-KR" altLang="en-US"/>
           </a:p>
@@ -2708,7 +2709,7 @@
           <a:p>
             <a:fld id="{D4D90BA9-01BB-B04E-AD3D-2A8EDDEF1E24}" type="datetimeFigureOut">
               <a:rPr kumimoji="1" lang="ko-KR" altLang="en-US" smtClean="0"/>
-              <a:t>2017. 5. 25.</a:t>
+              <a:t>2017. 5. 29.</a:t>
             </a:fld>
             <a:endParaRPr kumimoji="1" lang="ko-KR" altLang="en-US"/>
           </a:p>
@@ -2921,7 +2922,7 @@
           <a:p>
             <a:fld id="{D4D90BA9-01BB-B04E-AD3D-2A8EDDEF1E24}" type="datetimeFigureOut">
               <a:rPr kumimoji="1" lang="ko-KR" altLang="en-US" smtClean="0"/>
-              <a:t>2017. 5. 25.</a:t>
+              <a:t>2017. 5. 29.</a:t>
             </a:fld>
             <a:endParaRPr kumimoji="1" lang="ko-KR" altLang="en-US"/>
           </a:p>
@@ -3848,34 +3849,7 @@
               <a:rPr kumimoji="1" lang="en-US" altLang="ko-KR" dirty="0" smtClean="0"/>
               <a:t>.</a:t>
             </a:r>
-          </a:p>
-          <a:p>
-            <a:endParaRPr kumimoji="1" lang="en-US" altLang="ko-KR" dirty="0"/>
-          </a:p>
-          <a:p>
-            <a:r>
-              <a:rPr kumimoji="1" lang="en-US" altLang="ko-KR" dirty="0" smtClean="0"/>
-              <a:t>---</a:t>
-            </a:r>
-          </a:p>
-          <a:p>
-            <a:r>
-              <a:rPr kumimoji="1" lang="ko-KR" altLang="en-US" dirty="0" smtClean="0"/>
-              <a:t>상대경로와 절대경로에 대해서</a:t>
-            </a:r>
-            <a:r>
-              <a:rPr kumimoji="1" lang="en-US" altLang="ko-KR" dirty="0" smtClean="0"/>
-              <a:t>,</a:t>
-            </a:r>
-            <a:r>
-              <a:rPr kumimoji="1" lang="ko-KR" altLang="en-US" dirty="0" smtClean="0"/>
-              <a:t> 확실한 이해가 필요하였습니다</a:t>
-            </a:r>
-            <a:r>
-              <a:rPr kumimoji="1" lang="en-US" altLang="ko-KR" dirty="0" smtClean="0"/>
-              <a:t>.</a:t>
-            </a:r>
-            <a:endParaRPr kumimoji="1" lang="ko-KR" altLang="en-US" dirty="0"/>
+            <a:endParaRPr kumimoji="1" lang="en-US" altLang="ko-KR" dirty="0" smtClean="0"/>
           </a:p>
         </p:txBody>
       </p:sp>
@@ -4033,11 +4007,7 @@
             </a:r>
             <a:r>
               <a:rPr kumimoji="1" lang="ko-KR" altLang="en-US" dirty="0" smtClean="0"/>
-              <a:t>안에 </a:t>
-            </a:r>
-            <a:r>
-              <a:rPr kumimoji="1" lang="ko-KR" altLang="en-US" dirty="0" smtClean="0"/>
-              <a:t>만들어 주었습니다</a:t>
+              <a:t>안에 만들어 주었습니다</a:t>
             </a:r>
             <a:r>
               <a:rPr kumimoji="1" lang="en-US" altLang="ko-KR" dirty="0" smtClean="0"/>
@@ -4070,6 +4040,38 @@
             <a:r>
               <a:rPr kumimoji="1" lang="ko-KR" altLang="en-US" dirty="0" smtClean="0"/>
               <a:t> </a:t>
+            </a:r>
+            <a:r>
+              <a:rPr kumimoji="1" lang="ko-KR" altLang="en-US" dirty="0" smtClean="0"/>
+              <a:t>우선 </a:t>
+            </a:r>
+            <a:r>
+              <a:rPr kumimoji="1" lang="en-US" altLang="ko-KR" dirty="0" smtClean="0"/>
+              <a:t>firebase</a:t>
+            </a:r>
+            <a:r>
+              <a:rPr kumimoji="1" lang="ko-KR" altLang="en-US" dirty="0" smtClean="0"/>
+              <a:t>를 먼저 이해한 뒤에</a:t>
+            </a:r>
+            <a:r>
+              <a:rPr kumimoji="1" lang="en-US" altLang="ko-KR" dirty="0" smtClean="0"/>
+              <a:t>,</a:t>
+            </a:r>
+            <a:r>
+              <a:rPr kumimoji="1" lang="ko-KR" altLang="en-US" dirty="0" smtClean="0"/>
+              <a:t> </a:t>
+            </a:r>
+            <a:r>
+              <a:rPr kumimoji="1" lang="en-US" altLang="ko-KR" dirty="0" err="1" smtClean="0"/>
+              <a:t>ckeditor</a:t>
+            </a:r>
+            <a:r>
+              <a:rPr kumimoji="1" lang="ko-KR" altLang="en-US" dirty="0" smtClean="0"/>
+              <a:t>의 데이터를 저장해주는 방식으로 진행하기로 하였습니다</a:t>
+            </a:r>
+            <a:r>
+              <a:rPr kumimoji="1" lang="en-US" altLang="ko-KR" dirty="0" smtClean="0"/>
+              <a:t>.</a:t>
             </a:r>
             <a:endParaRPr kumimoji="1" lang="ko-KR" altLang="en-US" dirty="0"/>
           </a:p>
@@ -4130,11 +4132,7 @@
             </a:r>
             <a:r>
               <a:rPr kumimoji="1" lang="en-US" altLang="ko-KR" dirty="0" smtClean="0"/>
-              <a:t>	</a:t>
-            </a:r>
-            <a:r>
-              <a:rPr kumimoji="1" lang="en-US" altLang="ko-KR" dirty="0" smtClean="0"/>
-              <a:t>	</a:t>
+              <a:t>		</a:t>
             </a:r>
             <a:endParaRPr kumimoji="1" lang="ko-KR" altLang="en-US" dirty="0"/>
           </a:p>
@@ -4196,13 +4194,126 @@
               <a:t>.</a:t>
             </a:r>
             <a:r>
-              <a:rPr kumimoji="1" lang="ko-KR" altLang="en-US" smtClean="0"/>
-              <a:t>  </a:t>
-            </a:r>
-            <a:r>
-              <a:rPr kumimoji="1" lang="ko-KR" altLang="en-US" smtClean="0"/>
+              <a:rPr kumimoji="1" lang="ko-KR" altLang="en-US" dirty="0" smtClean="0"/>
               <a:t> </a:t>
             </a:r>
+            <a:r>
+              <a:rPr kumimoji="1" lang="ko-KR" altLang="en-US" dirty="0" smtClean="0"/>
+              <a:t>그래서 겨우겨우 찾은 강좌가 인프런이란 사이트에 나와있는 간단한 메모 만드는 강의였습니다</a:t>
+            </a:r>
+            <a:r>
+              <a:rPr kumimoji="1" lang="en-US" altLang="ko-KR" dirty="0" smtClean="0"/>
+              <a:t>. </a:t>
+            </a:r>
+            <a:r>
+              <a:rPr kumimoji="1" lang="ko-KR" altLang="en-US" dirty="0" smtClean="0"/>
+              <a:t>주소는 다음과 같습니다</a:t>
+            </a:r>
+            <a:r>
+              <a:rPr kumimoji="1" lang="en-US" altLang="ko-KR" dirty="0" smtClean="0"/>
+              <a:t>.</a:t>
+            </a:r>
+            <a:endParaRPr kumimoji="1" lang="en-US" altLang="ko-KR" dirty="0" smtClean="0"/>
+          </a:p>
+          <a:p>
+            <a:r>
+              <a:rPr kumimoji="1" lang="mr-IN" altLang="ko-KR" dirty="0">
+                <a:hlinkClick r:id="rId2"/>
+              </a:rPr>
+              <a:t>https://www.inflearn.com/course</a:t>
+            </a:r>
+            <a:r>
+              <a:rPr kumimoji="1" lang="mr-IN" altLang="ko-KR" dirty="0" smtClean="0">
+                <a:hlinkClick r:id="rId2"/>
+              </a:rPr>
+              <a:t>/</a:t>
+            </a:r>
+            <a:r>
+              <a:rPr kumimoji="1" lang="ko-KR" altLang="en-US" dirty="0" smtClean="0">
+                <a:hlinkClick r:id="rId2"/>
+              </a:rPr>
+              <a:t>파이어베이스</a:t>
+            </a:r>
+            <a:r>
+              <a:rPr kumimoji="1" lang="en-US" altLang="ko-KR" dirty="0" smtClean="0">
+                <a:hlinkClick r:id="rId2"/>
+              </a:rPr>
+              <a:t>-</a:t>
+            </a:r>
+            <a:r>
+              <a:rPr kumimoji="1" lang="ko-KR" altLang="en-US" dirty="0" smtClean="0">
+                <a:hlinkClick r:id="rId2"/>
+              </a:rPr>
+              <a:t>강좌</a:t>
+            </a:r>
+            <a:r>
+              <a:rPr kumimoji="1" lang="en-US" altLang="ko-KR" dirty="0" smtClean="0">
+                <a:hlinkClick r:id="rId2"/>
+              </a:rPr>
+              <a:t>-</a:t>
+            </a:r>
+            <a:r>
+              <a:rPr kumimoji="1" lang="ko-KR" altLang="en-US" dirty="0" smtClean="0">
+                <a:hlinkClick r:id="rId2"/>
+              </a:rPr>
+              <a:t>웹</a:t>
+            </a:r>
+            <a:r>
+              <a:rPr kumimoji="1" lang="en-US" altLang="ko-KR" dirty="0" smtClean="0">
+                <a:hlinkClick r:id="rId2"/>
+              </a:rPr>
+              <a:t>-</a:t>
+            </a:r>
+            <a:r>
+              <a:rPr kumimoji="1" lang="ko-KR" altLang="en-US" dirty="0" smtClean="0">
+                <a:hlinkClick r:id="rId2"/>
+              </a:rPr>
+              <a:t>어플리케이션</a:t>
+            </a:r>
+            <a:r>
+              <a:rPr kumimoji="1" lang="en-US" altLang="ko-KR" dirty="0" smtClean="0">
+                <a:hlinkClick r:id="rId2"/>
+              </a:rPr>
+              <a:t>/</a:t>
+            </a:r>
+            <a:endParaRPr kumimoji="1" lang="en-US" altLang="ko-KR" dirty="0" smtClean="0"/>
+          </a:p>
+          <a:p>
+            <a:r>
+              <a:rPr kumimoji="1" lang="en-US" altLang="ko-KR" dirty="0"/>
+              <a:t> </a:t>
+            </a:r>
+            <a:r>
+              <a:rPr kumimoji="1" lang="ko-KR" altLang="en-US" dirty="0" smtClean="0"/>
+              <a:t>강좌대로 따라하긴 해서 메모웹을 만들어보았지만</a:t>
+            </a:r>
+            <a:r>
+              <a:rPr kumimoji="1" lang="en-US" altLang="ko-KR" dirty="0" smtClean="0"/>
+              <a:t>,</a:t>
+            </a:r>
+            <a:r>
+              <a:rPr kumimoji="1" lang="ko-KR" altLang="en-US" dirty="0"/>
+              <a:t> </a:t>
+            </a:r>
+            <a:r>
+              <a:rPr kumimoji="1" lang="ko-KR" altLang="en-US" dirty="0" smtClean="0"/>
+              <a:t>여전히 어려웠습니다</a:t>
+            </a:r>
+            <a:r>
+              <a:rPr kumimoji="1" lang="en-US" altLang="ko-KR" dirty="0" smtClean="0"/>
+              <a:t>.</a:t>
+            </a:r>
+          </a:p>
+          <a:p>
+            <a:endParaRPr kumimoji="1" lang="en-US" altLang="ko-KR" dirty="0" smtClean="0"/>
+          </a:p>
+          <a:p>
+            <a:endParaRPr kumimoji="1" lang="en-US" altLang="ko-KR" dirty="0" smtClean="0"/>
+          </a:p>
+          <a:p>
+            <a:endParaRPr kumimoji="1" lang="en-US" altLang="ko-KR" dirty="0"/>
+          </a:p>
+          <a:p>
             <a:endParaRPr kumimoji="1" lang="ko-KR" altLang="en-US" dirty="0"/>
           </a:p>
         </p:txBody>
@@ -4211,6 +4322,74 @@
     <p:extLst>
       <p:ext uri="{BB962C8B-B14F-4D97-AF65-F5344CB8AC3E}">
         <p14:creationId xmlns:p14="http://schemas.microsoft.com/office/powerpoint/2010/main" val="1504267158"/>
+      </p:ext>
+    </p:extLst>
+  </p:cSld>
+  <p:clrMapOvr>
+    <a:masterClrMapping/>
+  </p:clrMapOvr>
+</p:sld>
+</file>
+
+<file path=ppt/slides/slide6.xml><?xml version="1.0" encoding="utf-8"?>
+<p:sld xmlns:a="http://schemas.openxmlformats.org/drawingml/2006/main" xmlns:r="http://schemas.openxmlformats.org/officeDocument/2006/relationships" xmlns:p="http://schemas.openxmlformats.org/presentationml/2006/main">
+  <p:cSld>
+    <p:spTree>
+      <p:nvGrpSpPr>
+        <p:cNvPr id="1" name=""/>
+        <p:cNvGrpSpPr/>
+        <p:nvPr/>
+      </p:nvGrpSpPr>
+      <p:grpSpPr>
+        <a:xfrm>
+          <a:off x="0" y="0"/>
+          <a:ext cx="0" cy="0"/>
+          <a:chOff x="0" y="0"/>
+          <a:chExt cx="0" cy="0"/>
+        </a:xfrm>
+      </p:grpSpPr>
+      <p:sp>
+        <p:nvSpPr>
+          <p:cNvPr id="2" name="제목 1"/>
+          <p:cNvSpPr>
+            <a:spLocks noGrp="1"/>
+          </p:cNvSpPr>
+          <p:nvPr>
+            <p:ph type="title"/>
+          </p:nvPr>
+        </p:nvSpPr>
+        <p:spPr/>
+        <p:txBody>
+          <a:bodyPr/>
+          <a:lstStyle/>
+          <a:p>
+            <a:endParaRPr kumimoji="1" lang="ko-KR" altLang="en-US"/>
+          </a:p>
+        </p:txBody>
+      </p:sp>
+      <p:sp>
+        <p:nvSpPr>
+          <p:cNvPr id="3" name="내용 개체 틀 2"/>
+          <p:cNvSpPr>
+            <a:spLocks noGrp="1"/>
+          </p:cNvSpPr>
+          <p:nvPr>
+            <p:ph idx="1"/>
+          </p:nvPr>
+        </p:nvSpPr>
+        <p:spPr/>
+        <p:txBody>
+          <a:bodyPr/>
+          <a:lstStyle/>
+          <a:p>
+            <a:endParaRPr kumimoji="1" lang="ko-KR" altLang="en-US"/>
+          </a:p>
+        </p:txBody>
+      </p:sp>
+    </p:spTree>
+    <p:extLst>
+      <p:ext uri="{BB962C8B-B14F-4D97-AF65-F5344CB8AC3E}">
+        <p14:creationId xmlns:p14="http://schemas.microsoft.com/office/powerpoint/2010/main" val="2101348445"/>
       </p:ext>
     </p:extLst>
   </p:cSld>
